--- a/34罪中得釋.pptx
+++ b/34罪中得釋.pptx
@@ -249,7 +249,7 @@
             <a:fld id="{86B5546F-C09B-4E63-ABC5-F7C86A7E8D66}" type="datetimeFigureOut">
               <a:rPr lang="en-US" smtClean="0"/>
               <a:pPr/>
-              <a:t>1/23/2016</a:t>
+              <a:t>4/13/2019</a:t>
             </a:fld>
             <a:endParaRPr lang="en-US"/>
           </a:p>
@@ -1120,7 +1120,7 @@
             <a:fld id="{86B5546F-C09B-4E63-ABC5-F7C86A7E8D66}" type="datetimeFigureOut">
               <a:rPr lang="en-US" smtClean="0"/>
               <a:pPr/>
-              <a:t>1/23/2016</a:t>
+              <a:t>4/13/2019</a:t>
             </a:fld>
             <a:endParaRPr lang="en-US"/>
           </a:p>
@@ -1297,7 +1297,7 @@
             <a:fld id="{86B5546F-C09B-4E63-ABC5-F7C86A7E8D66}" type="datetimeFigureOut">
               <a:rPr lang="en-US" smtClean="0"/>
               <a:pPr/>
-              <a:t>1/23/2016</a:t>
+              <a:t>4/13/2019</a:t>
             </a:fld>
             <a:endParaRPr lang="en-US"/>
           </a:p>
@@ -1469,7 +1469,7 @@
             <a:fld id="{86B5546F-C09B-4E63-ABC5-F7C86A7E8D66}" type="datetimeFigureOut">
               <a:rPr lang="en-US" smtClean="0"/>
               <a:pPr/>
-              <a:t>1/23/2016</a:t>
+              <a:t>4/13/2019</a:t>
             </a:fld>
             <a:endParaRPr lang="en-US"/>
           </a:p>
@@ -1681,7 +1681,7 @@
             <a:fld id="{86B5546F-C09B-4E63-ABC5-F7C86A7E8D66}" type="datetimeFigureOut">
               <a:rPr lang="en-US" smtClean="0"/>
               <a:pPr/>
-              <a:t>1/23/2016</a:t>
+              <a:t>4/13/2019</a:t>
             </a:fld>
             <a:endParaRPr lang="en-US"/>
           </a:p>
@@ -2497,7 +2497,7 @@
             <a:fld id="{86B5546F-C09B-4E63-ABC5-F7C86A7E8D66}" type="datetimeFigureOut">
               <a:rPr lang="en-US" smtClean="0"/>
               <a:pPr/>
-              <a:t>1/23/2016</a:t>
+              <a:t>4/13/2019</a:t>
             </a:fld>
             <a:endParaRPr lang="en-US"/>
           </a:p>
@@ -2735,7 +2735,7 @@
             <a:fld id="{86B5546F-C09B-4E63-ABC5-F7C86A7E8D66}" type="datetimeFigureOut">
               <a:rPr lang="en-US" smtClean="0"/>
               <a:pPr/>
-              <a:t>1/23/2016</a:t>
+              <a:t>4/13/2019</a:t>
             </a:fld>
             <a:endParaRPr lang="en-US"/>
           </a:p>
@@ -3060,7 +3060,7 @@
             <a:fld id="{86B5546F-C09B-4E63-ABC5-F7C86A7E8D66}" type="datetimeFigureOut">
               <a:rPr lang="en-US" smtClean="0"/>
               <a:pPr/>
-              <a:t>1/23/2016</a:t>
+              <a:t>4/13/2019</a:t>
             </a:fld>
             <a:endParaRPr lang="en-US"/>
           </a:p>
@@ -3152,7 +3152,7 @@
             <a:fld id="{86B5546F-C09B-4E63-ABC5-F7C86A7E8D66}" type="datetimeFigureOut">
               <a:rPr lang="en-US" smtClean="0"/>
               <a:pPr/>
-              <a:t>1/23/2016</a:t>
+              <a:t>4/13/2019</a:t>
             </a:fld>
             <a:endParaRPr lang="en-US"/>
           </a:p>
@@ -3671,7 +3671,7 @@
             <a:fld id="{86B5546F-C09B-4E63-ABC5-F7C86A7E8D66}" type="datetimeFigureOut">
               <a:rPr lang="en-US" smtClean="0"/>
               <a:pPr/>
-              <a:t>1/23/2016</a:t>
+              <a:t>4/13/2019</a:t>
             </a:fld>
             <a:endParaRPr lang="en-US"/>
           </a:p>
@@ -4184,7 +4184,7 @@
             <a:fld id="{86B5546F-C09B-4E63-ABC5-F7C86A7E8D66}" type="datetimeFigureOut">
               <a:rPr lang="en-US" smtClean="0"/>
               <a:pPr/>
-              <a:t>1/23/2016</a:t>
+              <a:t>4/13/2019</a:t>
             </a:fld>
             <a:endParaRPr lang="en-US"/>
           </a:p>
@@ -4431,7 +4431,7 @@
             <a:fld id="{86B5546F-C09B-4E63-ABC5-F7C86A7E8D66}" type="datetimeFigureOut">
               <a:rPr lang="en-US" smtClean="0"/>
               <a:pPr/>
-              <a:t>1/23/2016</a:t>
+              <a:t>4/13/2019</a:t>
             </a:fld>
             <a:endParaRPr lang="en-US"/>
           </a:p>
@@ -5055,10 +5055,16 @@
           <a:lstStyle/>
           <a:p>
             <a:r>
-              <a:rPr lang="zh-TW" altLang="en-US" sz="5400" dirty="0" smtClean="0"/>
+              <a:rPr lang="zh-TW" altLang="en-US" sz="5400" dirty="0" smtClean="0">
+                <a:latin typeface="微軟正黑體" pitchFamily="34" charset="-120"/>
+                <a:ea typeface="微軟正黑體" pitchFamily="34" charset="-120"/>
+              </a:rPr>
               <a:t>罪中得釋</a:t>
             </a:r>
-            <a:endParaRPr lang="en-US" altLang="zh-TW" sz="5400" dirty="0" smtClean="0"/>
+            <a:endParaRPr lang="en-US" altLang="zh-TW" sz="5400" dirty="0" smtClean="0">
+              <a:latin typeface="微軟正黑體" pitchFamily="34" charset="-120"/>
+              <a:ea typeface="微軟正黑體" pitchFamily="34" charset="-120"/>
+            </a:endParaRPr>
           </a:p>
         </p:txBody>
       </p:sp>
@@ -5080,30 +5086,51 @@
           <a:lstStyle/>
           <a:p>
             <a:r>
-              <a:rPr lang="zh-CN" altLang="en-US" dirty="0" smtClean="0"/>
+              <a:rPr lang="zh-CN" altLang="en-US" dirty="0" smtClean="0">
+                <a:latin typeface="微軟正黑體" pitchFamily="34" charset="-120"/>
+                <a:ea typeface="微軟正黑體" pitchFamily="34" charset="-120"/>
+              </a:rPr>
               <a:t>羅</a:t>
             </a:r>
             <a:r>
-              <a:rPr lang="en-US" altLang="zh-CN" dirty="0" smtClean="0"/>
+              <a:rPr lang="en-US" altLang="zh-CN" dirty="0" smtClean="0">
+                <a:latin typeface="微軟正黑體" pitchFamily="34" charset="-120"/>
+                <a:ea typeface="微軟正黑體" pitchFamily="34" charset="-120"/>
+              </a:rPr>
               <a:t>6</a:t>
             </a:r>
             <a:r>
-              <a:rPr lang="zh-CN" altLang="en-US" dirty="0" smtClean="0"/>
+              <a:rPr lang="zh-CN" altLang="en-US" dirty="0" smtClean="0">
+                <a:latin typeface="微軟正黑體" pitchFamily="34" charset="-120"/>
+                <a:ea typeface="微軟正黑體" pitchFamily="34" charset="-120"/>
+              </a:rPr>
               <a:t>：</a:t>
             </a:r>
             <a:r>
-              <a:rPr lang="en-US" altLang="zh-CN" dirty="0" smtClean="0"/>
+              <a:rPr lang="en-US" altLang="zh-CN" dirty="0" smtClean="0">
+                <a:latin typeface="微軟正黑體" pitchFamily="34" charset="-120"/>
+                <a:ea typeface="微軟正黑體" pitchFamily="34" charset="-120"/>
+              </a:rPr>
               <a:t>8-11</a:t>
             </a:r>
             <a:r>
-              <a:rPr lang="zh-CN" altLang="en-US" dirty="0" smtClean="0"/>
+              <a:rPr lang="zh-CN" altLang="en-US" dirty="0" smtClean="0">
+                <a:latin typeface="微軟正黑體" pitchFamily="34" charset="-120"/>
+                <a:ea typeface="微軟正黑體" pitchFamily="34" charset="-120"/>
+              </a:rPr>
               <a:t>，</a:t>
             </a:r>
             <a:r>
-              <a:rPr lang="en-US" altLang="zh-CN" dirty="0" smtClean="0"/>
+              <a:rPr lang="en-US" altLang="zh-CN" dirty="0" smtClean="0">
+                <a:latin typeface="微軟正黑體" pitchFamily="34" charset="-120"/>
+                <a:ea typeface="微軟正黑體" pitchFamily="34" charset="-120"/>
+              </a:rPr>
               <a:t>15-18</a:t>
             </a:r>
-            <a:endParaRPr lang="en-US" altLang="zh-TW" dirty="0" smtClean="0"/>
+            <a:endParaRPr lang="en-US" altLang="zh-TW" dirty="0" smtClean="0">
+              <a:latin typeface="微軟正黑體" pitchFamily="34" charset="-120"/>
+              <a:ea typeface="微軟正黑體" pitchFamily="34" charset="-120"/>
+            </a:endParaRPr>
           </a:p>
         </p:txBody>
       </p:sp>
@@ -5155,31 +5182,49 @@
           <a:lstStyle/>
           <a:p>
             <a:r>
-              <a:rPr lang="zh-TW" altLang="en-US" sz="6000" dirty="0" smtClean="0"/>
+              <a:rPr lang="zh-TW" altLang="en-US" sz="6000" dirty="0" smtClean="0">
+                <a:latin typeface="微軟正黑體" pitchFamily="34" charset="-120"/>
+                <a:ea typeface="微軟正黑體" pitchFamily="34" charset="-120"/>
+              </a:rPr>
               <a:t>我們若是與基督同死，就信必與他同活。</a:t>
             </a:r>
             <a:r>
-              <a:rPr lang="en-US" altLang="zh-TW" sz="6000" dirty="0" smtClean="0"/>
+              <a:rPr lang="en-US" altLang="zh-TW" sz="6000" dirty="0" smtClean="0">
+                <a:latin typeface="微軟正黑體" pitchFamily="34" charset="-120"/>
+                <a:ea typeface="微軟正黑體" pitchFamily="34" charset="-120"/>
+              </a:rPr>
               <a:t> </a:t>
             </a:r>
           </a:p>
           <a:p>
             <a:r>
-              <a:rPr lang="zh-TW" altLang="en-US" sz="6000" b="1" dirty="0" smtClean="0"/>
+              <a:rPr lang="zh-TW" altLang="en-US" sz="6000" b="1" dirty="0" smtClean="0">
+                <a:latin typeface="微軟正黑體" pitchFamily="34" charset="-120"/>
+                <a:ea typeface="微軟正黑體" pitchFamily="34" charset="-120"/>
+              </a:rPr>
               <a:t>因為知道基督既從死裡復活，就不再死，死也不再作他的主了。</a:t>
             </a:r>
             <a:r>
-              <a:rPr lang="en-US" altLang="zh-TW" sz="6000" b="1" dirty="0" smtClean="0"/>
+              <a:rPr lang="en-US" altLang="zh-TW" sz="6000" b="1" dirty="0" smtClean="0">
+                <a:latin typeface="微軟正黑體" pitchFamily="34" charset="-120"/>
+                <a:ea typeface="微軟正黑體" pitchFamily="34" charset="-120"/>
+              </a:rPr>
               <a:t> </a:t>
             </a:r>
           </a:p>
           <a:p>
             <a:r>
-              <a:rPr lang="zh-TW" altLang="en-US" sz="6000" dirty="0" smtClean="0"/>
+              <a:rPr lang="zh-TW" altLang="en-US" sz="6000" dirty="0" smtClean="0">
+                <a:latin typeface="微軟正黑體" pitchFamily="34" charset="-120"/>
+                <a:ea typeface="微軟正黑體" pitchFamily="34" charset="-120"/>
+              </a:rPr>
               <a:t>他死是向罪死了，只有一次；他活是向神活著。</a:t>
             </a:r>
             <a:r>
-              <a:rPr lang="en-US" altLang="zh-TW" sz="6000" dirty="0" smtClean="0"/>
+              <a:rPr lang="en-US" altLang="zh-TW" sz="6000" dirty="0" smtClean="0">
+                <a:latin typeface="微軟正黑體" pitchFamily="34" charset="-120"/>
+                <a:ea typeface="微軟正黑體" pitchFamily="34" charset="-120"/>
+              </a:rPr>
               <a:t> </a:t>
             </a:r>
           </a:p>
@@ -5233,29 +5278,32 @@
           <a:lstStyle/>
           <a:p>
             <a:r>
-              <a:rPr lang="zh-TW" altLang="en-US" sz="6000" b="1" dirty="0" smtClean="0"/>
-              <a:t>這樣，你們向罪也當看自己是死的；向神在基督耶穌裡，卻當看自己是活</a:t>
-            </a:r>
-            <a:r>
-              <a:rPr lang="zh-TW" altLang="en-US" sz="6000" b="1" dirty="0" smtClean="0"/>
-              <a:t>的</a:t>
-            </a:r>
-            <a:endParaRPr lang="en-US" altLang="zh-TW" sz="6000" b="1" dirty="0" smtClean="0"/>
-          </a:p>
-          <a:p>
-            <a:r>
-              <a:rPr lang="zh-TW" altLang="en-US" sz="6000" dirty="0" smtClean="0"/>
-              <a:t>這卻怎麼樣呢？我們在恩典之下，不在律法之下，就可以犯罪嗎？斷乎</a:t>
-            </a:r>
-            <a:r>
-              <a:rPr lang="zh-TW" altLang="en-US" sz="6000" dirty="0" smtClean="0"/>
-              <a:t>不可</a:t>
-            </a:r>
-            <a:r>
-              <a:rPr lang="en-US" altLang="zh-TW" sz="6000" dirty="0" smtClean="0"/>
+              <a:rPr lang="zh-TW" altLang="en-US" sz="6000" b="1" dirty="0" smtClean="0">
+                <a:latin typeface="微軟正黑體" pitchFamily="34" charset="-120"/>
+                <a:ea typeface="微軟正黑體" pitchFamily="34" charset="-120"/>
+              </a:rPr>
+              <a:t>這樣，你們向罪也當看自己是死的；向神在基督耶穌裡，卻當看自己是活的</a:t>
+            </a:r>
+            <a:endParaRPr lang="en-US" altLang="zh-TW" sz="6000" b="1" dirty="0" smtClean="0">
+              <a:latin typeface="微軟正黑體" pitchFamily="34" charset="-120"/>
+              <a:ea typeface="微軟正黑體" pitchFamily="34" charset="-120"/>
+            </a:endParaRPr>
+          </a:p>
+          <a:p>
+            <a:r>
+              <a:rPr lang="zh-TW" altLang="en-US" sz="6000" dirty="0" smtClean="0">
+                <a:latin typeface="微軟正黑體" pitchFamily="34" charset="-120"/>
+                <a:ea typeface="微軟正黑體" pitchFamily="34" charset="-120"/>
+              </a:rPr>
+              <a:t>這卻怎麼樣呢？我們在恩典之下，不在律法之下，就可以犯罪嗎？斷乎不可</a:t>
+            </a:r>
+            <a:r>
+              <a:rPr lang="en-US" altLang="zh-TW" sz="6000" dirty="0" smtClean="0">
+                <a:latin typeface="微軟正黑體" pitchFamily="34" charset="-120"/>
+                <a:ea typeface="微軟正黑體" pitchFamily="34" charset="-120"/>
+              </a:rPr>
               <a:t> </a:t>
             </a:r>
-            <a:endParaRPr lang="en-US" altLang="zh-TW" sz="6000" dirty="0" smtClean="0"/>
           </a:p>
         </p:txBody>
       </p:sp>
@@ -5307,11 +5355,17 @@
           <a:lstStyle/>
           <a:p>
             <a:r>
-              <a:rPr lang="zh-TW" altLang="en-US" sz="6000" b="1" dirty="0" smtClean="0"/>
+              <a:rPr lang="zh-TW" altLang="en-US" sz="6000" b="1" dirty="0" smtClean="0">
+                <a:latin typeface="微軟正黑體" pitchFamily="34" charset="-120"/>
+                <a:ea typeface="微軟正黑體" pitchFamily="34" charset="-120"/>
+              </a:rPr>
               <a:t>豈不曉得你們獻上自己作奴僕，順從誰，就作誰的奴僕嗎？或作罪的奴僕，以至於死；或作順命的奴僕，以至成義。</a:t>
             </a:r>
             <a:r>
-              <a:rPr lang="en-US" altLang="zh-TW" sz="6000" b="1" dirty="0" smtClean="0"/>
+              <a:rPr lang="en-US" altLang="zh-TW" sz="6000" b="1" dirty="0" smtClean="0">
+                <a:latin typeface="微軟正黑體" pitchFamily="34" charset="-120"/>
+                <a:ea typeface="微軟正黑體" pitchFamily="34" charset="-120"/>
+              </a:rPr>
               <a:t> </a:t>
             </a:r>
           </a:p>
@@ -5365,21 +5419,33 @@
           <a:lstStyle/>
           <a:p>
             <a:r>
-              <a:rPr lang="zh-TW" altLang="en-US" sz="6000" dirty="0" smtClean="0"/>
+              <a:rPr lang="zh-TW" altLang="en-US" sz="6000" dirty="0" smtClean="0">
+                <a:latin typeface="微軟正黑體" pitchFamily="34" charset="-120"/>
+                <a:ea typeface="微軟正黑體" pitchFamily="34" charset="-120"/>
+              </a:rPr>
               <a:t>感謝神！因為你們從前雖然作罪的奴僕，現今卻從心裡順服了所傳給你們道理的模範。</a:t>
             </a:r>
             <a:r>
-              <a:rPr lang="en-US" altLang="zh-TW" sz="6000" dirty="0" smtClean="0"/>
+              <a:rPr lang="en-US" altLang="zh-TW" sz="6000" dirty="0" smtClean="0">
+                <a:latin typeface="微軟正黑體" pitchFamily="34" charset="-120"/>
+                <a:ea typeface="微軟正黑體" pitchFamily="34" charset="-120"/>
+              </a:rPr>
               <a:t> </a:t>
             </a:r>
           </a:p>
           <a:p>
             <a:r>
-              <a:rPr lang="zh-TW" altLang="en-US" sz="6000" b="1" dirty="0" smtClean="0"/>
+              <a:rPr lang="zh-TW" altLang="en-US" sz="6000" b="1" dirty="0" smtClean="0">
+                <a:latin typeface="微軟正黑體" pitchFamily="34" charset="-120"/>
+                <a:ea typeface="微軟正黑體" pitchFamily="34" charset="-120"/>
+              </a:rPr>
               <a:t>你們既從罪裡得了釋放，就作了義的奴僕。</a:t>
             </a:r>
             <a:r>
-              <a:rPr lang="en-US" altLang="zh-TW" sz="6000" b="1" dirty="0" smtClean="0"/>
+              <a:rPr lang="en-US" altLang="zh-TW" sz="6000" b="1" dirty="0" smtClean="0">
+                <a:latin typeface="微軟正黑體" pitchFamily="34" charset="-120"/>
+                <a:ea typeface="微軟正黑體" pitchFamily="34" charset="-120"/>
+              </a:rPr>
               <a:t> </a:t>
             </a:r>
           </a:p>
